--- a/ContinuousDeliveryWithoutSignificantTestAutomation.pptx
+++ b/ContinuousDeliveryWithoutSignificantTestAutomation.pptx
@@ -3916,31 +3916,241 @@
         </p:nvSpPr>
         <p:spPr/>
         <p:txBody>
-          <a:bodyPr/>
-          <a:lstStyle/>
-          <a:p>
-            <a:r>
-              <a:rPr lang="en-US" dirty="0" smtClean="0"/>
+          <a:bodyPr>
+            <a:normAutofit/>
+          </a:bodyPr>
+          <a:lstStyle/>
+          <a:p>
+            <a:pPr>
+              <a:defRPr/>
+            </a:pPr>
+            <a:r>
+              <a:rPr lang="fi-FI" sz="2800" b="1" dirty="0"/>
               <a:t>Maaret Pyhäjärvi</a:t>
             </a:r>
-          </a:p>
-          <a:p>
-            <a:r>
-              <a:rPr lang="en-US" dirty="0" err="1" smtClean="0"/>
-              <a:t>Granlund</a:t>
-            </a:r>
-            <a:r>
-              <a:rPr lang="en-US" dirty="0" smtClean="0"/>
-              <a:t> </a:t>
-            </a:r>
-            <a:r>
-              <a:rPr lang="en-US" dirty="0" err="1" smtClean="0"/>
-              <a:t>Oy</a:t>
-            </a:r>
-            <a:endParaRPr lang="en-US" dirty="0"/>
-          </a:p>
-        </p:txBody>
-      </p:sp>
+            <a:endParaRPr lang="fi-FI" sz="2800" dirty="0"/>
+          </a:p>
+          <a:p>
+            <a:pPr>
+              <a:defRPr/>
+            </a:pPr>
+            <a:r>
+              <a:rPr lang="fi-FI" sz="2800" dirty="0" err="1"/>
+              <a:t>Email</a:t>
+            </a:r>
+            <a:r>
+              <a:rPr lang="fi-FI" sz="2800" dirty="0"/>
+              <a:t>: &lt;</a:t>
+            </a:r>
+            <a:r>
+              <a:rPr lang="fi-FI" sz="2800" dirty="0" err="1"/>
+              <a:t>maaret@iki.fi</a:t>
+            </a:r>
+            <a:r>
+              <a:rPr lang="fi-FI" sz="2800" dirty="0"/>
+              <a:t>&gt; | </a:t>
+            </a:r>
+            <a:r>
+              <a:rPr lang="fi-FI" sz="2800" dirty="0" err="1"/>
+              <a:t>Twitter</a:t>
+            </a:r>
+            <a:r>
+              <a:rPr lang="fi-FI" sz="2800" dirty="0"/>
+              <a:t>: </a:t>
+            </a:r>
+            <a:r>
+              <a:rPr lang="fi-FI" sz="2800" dirty="0" err="1"/>
+              <a:t>maaretp</a:t>
+            </a:r>
+            <a:endParaRPr lang="fi-FI" sz="2800" dirty="0"/>
+          </a:p>
+        </p:txBody>
+      </p:sp>
+      <p:grpSp>
+        <p:nvGrpSpPr>
+          <p:cNvPr id="4" name="Ryhmä 4"/>
+          <p:cNvGrpSpPr/>
+          <p:nvPr/>
+        </p:nvGrpSpPr>
+        <p:grpSpPr>
+          <a:xfrm>
+            <a:off x="1979712" y="5038412"/>
+            <a:ext cx="5648627" cy="798138"/>
+            <a:chOff x="1979712" y="4724406"/>
+            <a:chExt cx="5648627" cy="798138"/>
+          </a:xfrm>
+        </p:grpSpPr>
+        <p:grpSp>
+          <p:nvGrpSpPr>
+            <p:cNvPr id="5" name="Group 12"/>
+            <p:cNvGrpSpPr>
+              <a:grpSpLocks/>
+            </p:cNvGrpSpPr>
+            <p:nvPr/>
+          </p:nvGrpSpPr>
+          <p:grpSpPr bwMode="auto">
+            <a:xfrm>
+              <a:off x="1979712" y="4724406"/>
+              <a:ext cx="5648627" cy="798138"/>
+              <a:chOff x="838200" y="5486400"/>
+              <a:chExt cx="4138247" cy="690391"/>
+            </a:xfrm>
+          </p:grpSpPr>
+          <p:sp>
+            <p:nvSpPr>
+              <p:cNvPr id="7" name="Rectangle 9"/>
+              <p:cNvSpPr/>
+              <p:nvPr/>
+            </p:nvSpPr>
+            <p:spPr>
+              <a:xfrm>
+                <a:off x="838200" y="5486400"/>
+                <a:ext cx="4114800" cy="685800"/>
+              </a:xfrm>
+              <a:prstGeom prst="rect">
+                <a:avLst/>
+              </a:prstGeom>
+            </p:spPr>
+            <p:style>
+              <a:lnRef idx="1">
+                <a:schemeClr val="accent1"/>
+              </a:lnRef>
+              <a:fillRef idx="2">
+                <a:schemeClr val="accent1"/>
+              </a:fillRef>
+              <a:effectRef idx="1">
+                <a:schemeClr val="accent1"/>
+              </a:effectRef>
+              <a:fontRef idx="minor">
+                <a:schemeClr val="dk1"/>
+              </a:fontRef>
+            </p:style>
+            <p:txBody>
+              <a:bodyPr anchor="ctr"/>
+              <a:lstStyle/>
+              <a:p>
+                <a:pPr algn="ctr" fontAlgn="auto">
+                  <a:spcBef>
+                    <a:spcPts val="0"/>
+                  </a:spcBef>
+                  <a:spcAft>
+                    <a:spcPts val="0"/>
+                  </a:spcAft>
+                  <a:defRPr/>
+                </a:pPr>
+                <a:endParaRPr lang="fi-FI" sz="1100"/>
+              </a:p>
+            </p:txBody>
+          </p:sp>
+          <p:sp>
+            <p:nvSpPr>
+              <p:cNvPr id="8" name="TextBox 11"/>
+              <p:cNvSpPr txBox="1">
+                <a:spLocks noChangeArrowheads="1"/>
+              </p:cNvSpPr>
+              <p:nvPr/>
+            </p:nvSpPr>
+            <p:spPr bwMode="auto">
+              <a:xfrm>
+                <a:off x="2157047" y="5511223"/>
+                <a:ext cx="2819400" cy="665568"/>
+              </a:xfrm>
+              <a:prstGeom prst="rect">
+                <a:avLst/>
+              </a:prstGeom>
+              <a:noFill/>
+              <a:ln w="9525">
+                <a:noFill/>
+                <a:miter lim="800000"/>
+                <a:headEnd/>
+                <a:tailEnd/>
+              </a:ln>
+            </p:spPr>
+            <p:txBody>
+              <a:bodyPr>
+                <a:spAutoFit/>
+              </a:bodyPr>
+              <a:lstStyle/>
+              <a:p>
+                <a:r>
+                  <a:rPr lang="fi-FI" sz="1100" dirty="0" smtClean="0"/>
+                  <a:t>Maaret </a:t>
+                </a:r>
+                <a:r>
+                  <a:rPr lang="fi-FI" sz="1100" dirty="0"/>
+                  <a:t>Pyhäjärvi</a:t>
+                </a:r>
+              </a:p>
+              <a:p>
+                <a:r>
+                  <a:rPr lang="fi-FI" sz="1100" dirty="0"/>
+                  <a:t>Nimeä |  </a:t>
+                </a:r>
+                <a:r>
+                  <a:rPr lang="fi-FI" sz="1100" dirty="0" err="1"/>
+                  <a:t>Attribution</a:t>
+                </a:r>
+                <a:r>
+                  <a:rPr lang="fi-FI" sz="1100" dirty="0"/>
+                  <a:t> (Finland)</a:t>
+                </a:r>
+              </a:p>
+              <a:p>
+                <a:pPr marL="0" lvl="1"/>
+                <a:r>
+                  <a:rPr lang="fi-FI" sz="1100" dirty="0">
+                    <a:hlinkClick r:id="rId2"/>
+                  </a:rPr>
+                  <a:t>http://creativecommons.org/licenses/by/1.0/fi/</a:t>
+                </a:r>
+                <a:endParaRPr lang="fi-FI" sz="1100" dirty="0"/>
+              </a:p>
+              <a:p>
+                <a:pPr marL="0" lvl="1"/>
+                <a:r>
+                  <a:rPr lang="fi-FI" sz="1100" dirty="0">
+                    <a:hlinkClick r:id="rId3"/>
+                  </a:rPr>
+                  <a:t>http://creativecommons.org/licenses/by/1.0/fi/deed.en</a:t>
+                </a:r>
+                <a:endParaRPr lang="fi-FI" sz="1100" dirty="0"/>
+              </a:p>
+            </p:txBody>
+          </p:sp>
+        </p:grpSp>
+        <p:pic>
+          <p:nvPicPr>
+            <p:cNvPr id="6" name="Picture 10" descr="88x31.png"/>
+            <p:cNvPicPr>
+              <a:picLocks noChangeAspect="1"/>
+            </p:cNvPicPr>
+            <p:nvPr/>
+          </p:nvPicPr>
+          <p:blipFill>
+            <a:blip r:embed="rId4" cstate="print"/>
+            <a:srcRect/>
+            <a:stretch>
+              <a:fillRect/>
+            </a:stretch>
+          </p:blipFill>
+          <p:spPr bwMode="auto">
+            <a:xfrm>
+              <a:off x="2067486" y="4845268"/>
+              <a:ext cx="1613589" cy="568424"/>
+            </a:xfrm>
+            <a:prstGeom prst="rect">
+              <a:avLst/>
+            </a:prstGeom>
+            <a:noFill/>
+            <a:ln w="9525">
+              <a:noFill/>
+              <a:miter lim="800000"/>
+              <a:headEnd/>
+              <a:tailEnd/>
+            </a:ln>
+          </p:spPr>
+        </p:pic>
+      </p:grpSp>
     </p:spTree>
     <p:extLst>
       <p:ext uri="{BB962C8B-B14F-4D97-AF65-F5344CB8AC3E}">
